--- a/软件工程/需求分析/SE2022_G09_需求分析.pptx
+++ b/软件工程/需求分析/SE2022_G09_需求分析.pptx
@@ -6,10 +6,10 @@
     <p:sldMasterId id="2147483663" r:id="rId3"/>
   </p:sldMasterIdLst>
   <p:notesMasterIdLst>
-    <p:notesMasterId r:id="rId18"/>
+    <p:notesMasterId r:id="rId19"/>
   </p:notesMasterIdLst>
   <p:handoutMasterIdLst>
-    <p:handoutMasterId r:id="rId19"/>
+    <p:handoutMasterId r:id="rId20"/>
   </p:handoutMasterIdLst>
   <p:sldIdLst>
     <p:sldId id="409" r:id="rId4"/>
@@ -17,20 +17,21 @@
     <p:sldId id="450" r:id="rId6"/>
     <p:sldId id="481" r:id="rId7"/>
     <p:sldId id="498" r:id="rId8"/>
-    <p:sldId id="491" r:id="rId9"/>
-    <p:sldId id="492" r:id="rId10"/>
-    <p:sldId id="493" r:id="rId11"/>
-    <p:sldId id="494" r:id="rId12"/>
-    <p:sldId id="416" r:id="rId13"/>
-    <p:sldId id="495" r:id="rId14"/>
-    <p:sldId id="496" r:id="rId15"/>
-    <p:sldId id="497" r:id="rId16"/>
-    <p:sldId id="432" r:id="rId17"/>
+    <p:sldId id="508" r:id="rId9"/>
+    <p:sldId id="491" r:id="rId10"/>
+    <p:sldId id="492" r:id="rId11"/>
+    <p:sldId id="493" r:id="rId12"/>
+    <p:sldId id="494" r:id="rId13"/>
+    <p:sldId id="416" r:id="rId14"/>
+    <p:sldId id="495" r:id="rId15"/>
+    <p:sldId id="496" r:id="rId16"/>
+    <p:sldId id="497" r:id="rId17"/>
+    <p:sldId id="432" r:id="rId18"/>
   </p:sldIdLst>
   <p:sldSz cx="12192000" cy="6858000"/>
   <p:notesSz cx="6858000" cy="9144000"/>
   <p:custDataLst>
-    <p:tags r:id="rId23"/>
+    <p:tags r:id="rId24"/>
   </p:custDataLst>
   <p:defaultTextStyle>
     <a:defPPr>
@@ -4678,6 +4679,569 @@
           <a:chExt cx="0" cy="0"/>
         </a:xfrm>
       </p:grpSpPr>
+      <p:sp>
+        <p:nvSpPr>
+          <p:cNvPr id="3" name="矩形 2"/>
+          <p:cNvSpPr/>
+          <p:nvPr/>
+        </p:nvSpPr>
+        <p:spPr>
+          <a:xfrm>
+            <a:off x="394970" y="343535"/>
+            <a:ext cx="3592830" cy="949325"/>
+          </a:xfrm>
+          <a:prstGeom prst="rect">
+            <a:avLst/>
+          </a:prstGeom>
+          <a:solidFill>
+            <a:schemeClr val="bg1"/>
+          </a:solidFill>
+          <a:ln>
+            <a:noFill/>
+          </a:ln>
+        </p:spPr>
+        <p:style>
+          <a:lnRef idx="2">
+            <a:schemeClr val="accent1">
+              <a:shade val="50000"/>
+            </a:schemeClr>
+          </a:lnRef>
+          <a:fillRef idx="1">
+            <a:schemeClr val="accent1"/>
+          </a:fillRef>
+          <a:effectRef idx="0">
+            <a:schemeClr val="accent1"/>
+          </a:effectRef>
+          <a:fontRef idx="minor">
+            <a:schemeClr val="lt1"/>
+          </a:fontRef>
+        </p:style>
+        <p:txBody>
+          <a:bodyPr rtlCol="0" anchor="ctr"/>
+          <a:lstStyle/>
+          <a:p>
+            <a:pPr algn="l"/>
+            <a:r>
+              <a:rPr lang="zh-CN" altLang="en-US" sz="3200" b="1" dirty="0">
+                <a:solidFill>
+                  <a:schemeClr val="tx1"/>
+                </a:solidFill>
+                <a:latin typeface="华文细黑" panose="02010600040101010101" charset="-122"/>
+                <a:ea typeface="华文细黑" panose="02010600040101010101" charset="-122"/>
+                <a:cs typeface="华文细黑" panose="02010600040101010101" charset="-122"/>
+              </a:rPr>
+              <a:t>接口需求</a:t>
+            </a:r>
+            <a:endParaRPr lang="zh-CN" altLang="en-US" sz="3200" b="1" dirty="0">
+              <a:solidFill>
+                <a:schemeClr val="tx1"/>
+              </a:solidFill>
+              <a:latin typeface="华文细黑" panose="02010600040101010101" charset="-122"/>
+              <a:ea typeface="华文细黑" panose="02010600040101010101" charset="-122"/>
+              <a:cs typeface="华文细黑" panose="02010600040101010101" charset="-122"/>
+            </a:endParaRPr>
+          </a:p>
+        </p:txBody>
+      </p:sp>
+      <p:sp>
+        <p:nvSpPr>
+          <p:cNvPr id="8" name="文本框 7"/>
+          <p:cNvSpPr txBox="1"/>
+          <p:nvPr/>
+        </p:nvSpPr>
+        <p:spPr>
+          <a:xfrm>
+            <a:off x="918210" y="1683648"/>
+            <a:ext cx="1924685" cy="460375"/>
+          </a:xfrm>
+          <a:prstGeom prst="rect">
+            <a:avLst/>
+          </a:prstGeom>
+          <a:solidFill>
+            <a:schemeClr val="bg1"/>
+          </a:solidFill>
+        </p:spPr>
+        <p:txBody>
+          <a:bodyPr wrap="square" rtlCol="0">
+            <a:spAutoFit/>
+          </a:bodyPr>
+          <a:lstStyle/>
+          <a:p>
+            <a:r>
+              <a:rPr lang="zh-CN" altLang="en-US" sz="2400" kern="0" noProof="0" dirty="0">
+                <a:ln>
+                  <a:noFill/>
+                </a:ln>
+                <a:solidFill>
+                  <a:srgbClr val="0070C0"/>
+                </a:solidFill>
+                <a:effectLst>
+                  <a:outerShdw blurRad="38100" dist="38100" dir="2700000" algn="tl">
+                    <a:srgbClr val="000000">
+                      <a:alpha val="43137"/>
+                    </a:srgbClr>
+                  </a:outerShdw>
+                </a:effectLst>
+                <a:uLnTx/>
+                <a:uFillTx/>
+                <a:cs typeface="+mn-ea"/>
+                <a:sym typeface="+mn-lt"/>
+              </a:rPr>
+              <a:t>用户接口</a:t>
+            </a:r>
+            <a:endParaRPr lang="zh-CN" altLang="en-US" sz="2400" kern="0" noProof="0" dirty="0">
+              <a:ln>
+                <a:noFill/>
+              </a:ln>
+              <a:solidFill>
+                <a:srgbClr val="0070C0"/>
+              </a:solidFill>
+              <a:effectLst>
+                <a:outerShdw blurRad="38100" dist="38100" dir="2700000" algn="tl">
+                  <a:srgbClr val="000000">
+                    <a:alpha val="43137"/>
+                  </a:srgbClr>
+                </a:outerShdw>
+              </a:effectLst>
+              <a:uLnTx/>
+              <a:uFillTx/>
+              <a:cs typeface="+mn-ea"/>
+              <a:sym typeface="+mn-lt"/>
+            </a:endParaRPr>
+          </a:p>
+        </p:txBody>
+      </p:sp>
+      <p:sp>
+        <p:nvSpPr>
+          <p:cNvPr id="4" name="文本框 3"/>
+          <p:cNvSpPr txBox="1"/>
+          <p:nvPr/>
+        </p:nvSpPr>
+        <p:spPr>
+          <a:xfrm>
+            <a:off x="928370" y="3622143"/>
+            <a:ext cx="1924685" cy="460375"/>
+          </a:xfrm>
+          <a:prstGeom prst="rect">
+            <a:avLst/>
+          </a:prstGeom>
+          <a:solidFill>
+            <a:schemeClr val="bg1"/>
+          </a:solidFill>
+        </p:spPr>
+        <p:txBody>
+          <a:bodyPr wrap="square" rtlCol="0">
+            <a:spAutoFit/>
+          </a:bodyPr>
+          <a:lstStyle/>
+          <a:p>
+            <a:r>
+              <a:rPr lang="zh-CN" altLang="en-US" sz="2400" kern="0" noProof="0" dirty="0">
+                <a:ln>
+                  <a:noFill/>
+                </a:ln>
+                <a:solidFill>
+                  <a:srgbClr val="0070C0"/>
+                </a:solidFill>
+                <a:effectLst>
+                  <a:outerShdw blurRad="38100" dist="38100" dir="2700000" algn="tl">
+                    <a:srgbClr val="000000">
+                      <a:alpha val="43137"/>
+                    </a:srgbClr>
+                  </a:outerShdw>
+                </a:effectLst>
+                <a:uLnTx/>
+                <a:uFillTx/>
+                <a:cs typeface="+mn-ea"/>
+                <a:sym typeface="+mn-lt"/>
+              </a:rPr>
+              <a:t>软件接口</a:t>
+            </a:r>
+            <a:endParaRPr lang="zh-CN" altLang="en-US" sz="2400" kern="0" noProof="0" dirty="0">
+              <a:ln>
+                <a:noFill/>
+              </a:ln>
+              <a:solidFill>
+                <a:srgbClr val="0070C0"/>
+              </a:solidFill>
+              <a:effectLst>
+                <a:outerShdw blurRad="38100" dist="38100" dir="2700000" algn="tl">
+                  <a:srgbClr val="000000">
+                    <a:alpha val="43137"/>
+                  </a:srgbClr>
+                </a:outerShdw>
+              </a:effectLst>
+              <a:uLnTx/>
+              <a:uFillTx/>
+              <a:cs typeface="+mn-ea"/>
+              <a:sym typeface="+mn-lt"/>
+            </a:endParaRPr>
+          </a:p>
+        </p:txBody>
+      </p:sp>
+      <p:sp>
+        <p:nvSpPr>
+          <p:cNvPr id="7" name="文本框 6"/>
+          <p:cNvSpPr txBox="1"/>
+          <p:nvPr/>
+        </p:nvSpPr>
+        <p:spPr>
+          <a:xfrm>
+            <a:off x="918209" y="4488722"/>
+            <a:ext cx="1924685" cy="460375"/>
+          </a:xfrm>
+          <a:prstGeom prst="rect">
+            <a:avLst/>
+          </a:prstGeom>
+          <a:solidFill>
+            <a:schemeClr val="bg1"/>
+          </a:solidFill>
+        </p:spPr>
+        <p:txBody>
+          <a:bodyPr wrap="square" rtlCol="0">
+            <a:spAutoFit/>
+          </a:bodyPr>
+          <a:lstStyle/>
+          <a:p>
+            <a:r>
+              <a:rPr lang="zh-CN" sz="2400" kern="0" noProof="0" dirty="0">
+                <a:ln>
+                  <a:noFill/>
+                </a:ln>
+                <a:solidFill>
+                  <a:srgbClr val="0070C0"/>
+                </a:solidFill>
+                <a:effectLst>
+                  <a:outerShdw blurRad="38100" dist="38100" dir="2700000" algn="tl">
+                    <a:srgbClr val="000000">
+                      <a:alpha val="43137"/>
+                    </a:srgbClr>
+                  </a:outerShdw>
+                </a:effectLst>
+                <a:uLnTx/>
+                <a:uFillTx/>
+                <a:cs typeface="+mn-ea"/>
+                <a:sym typeface="+mn-lt"/>
+              </a:rPr>
+              <a:t>通信</a:t>
+            </a:r>
+            <a:r>
+              <a:rPr lang="zh-CN" altLang="en-US" sz="2400" kern="0" noProof="0" dirty="0">
+                <a:ln>
+                  <a:noFill/>
+                </a:ln>
+                <a:solidFill>
+                  <a:srgbClr val="0070C0"/>
+                </a:solidFill>
+                <a:effectLst>
+                  <a:outerShdw blurRad="38100" dist="38100" dir="2700000" algn="tl">
+                    <a:srgbClr val="000000">
+                      <a:alpha val="43137"/>
+                    </a:srgbClr>
+                  </a:outerShdw>
+                </a:effectLst>
+                <a:uLnTx/>
+                <a:uFillTx/>
+                <a:cs typeface="+mn-ea"/>
+                <a:sym typeface="+mn-lt"/>
+              </a:rPr>
+              <a:t>接口</a:t>
+            </a:r>
+            <a:endParaRPr lang="zh-CN" sz="2400" kern="0" noProof="0" dirty="0">
+              <a:ln>
+                <a:noFill/>
+              </a:ln>
+              <a:solidFill>
+                <a:srgbClr val="0070C0"/>
+              </a:solidFill>
+              <a:effectLst>
+                <a:outerShdw blurRad="38100" dist="38100" dir="2700000" algn="tl">
+                  <a:srgbClr val="000000">
+                    <a:alpha val="43137"/>
+                  </a:srgbClr>
+                </a:outerShdw>
+              </a:effectLst>
+              <a:uLnTx/>
+              <a:uFillTx/>
+              <a:cs typeface="+mn-ea"/>
+              <a:sym typeface="+mn-lt"/>
+            </a:endParaRPr>
+          </a:p>
+        </p:txBody>
+      </p:sp>
+      <p:sp>
+        <p:nvSpPr>
+          <p:cNvPr id="9" name="文本框 8"/>
+          <p:cNvSpPr txBox="1"/>
+          <p:nvPr/>
+        </p:nvSpPr>
+        <p:spPr>
+          <a:xfrm>
+            <a:off x="2853055" y="1747432"/>
+            <a:ext cx="7363000" cy="1631216"/>
+          </a:xfrm>
+          <a:prstGeom prst="rect">
+            <a:avLst/>
+          </a:prstGeom>
+          <a:noFill/>
+        </p:spPr>
+        <p:txBody>
+          <a:bodyPr wrap="square" rtlCol="0">
+            <a:spAutoFit/>
+          </a:bodyPr>
+          <a:lstStyle/>
+          <a:p>
+            <a:r>
+              <a:rPr lang="en-US" altLang="zh-CN" sz="2000" dirty="0">
+                <a:sym typeface="+mn-ea"/>
+              </a:rPr>
+              <a:t>1</a:t>
+            </a:r>
+            <a:r>
+              <a:rPr lang="zh-CN" altLang="en-US" sz="2000" dirty="0">
+                <a:sym typeface="+mn-ea"/>
+              </a:rPr>
+              <a:t>、实现文化组织、志愿者、游客三方“注册”“登录”，登录界面要有“忘记密码”；</a:t>
+            </a:r>
+            <a:endParaRPr lang="zh-CN" altLang="en-US" sz="2000" dirty="0">
+              <a:sym typeface="+mn-ea"/>
+            </a:endParaRPr>
+          </a:p>
+          <a:p>
+            <a:r>
+              <a:rPr lang="en-US" altLang="zh-CN" sz="2000" dirty="0">
+                <a:sym typeface="+mn-ea"/>
+              </a:rPr>
+              <a:t>2</a:t>
+            </a:r>
+            <a:r>
+              <a:rPr lang="zh-CN" altLang="en-US" sz="2000" dirty="0">
+                <a:sym typeface="+mn-ea"/>
+              </a:rPr>
+              <a:t>、游客首页要有</a:t>
+            </a:r>
+            <a:r>
+              <a:rPr lang="en-US" altLang="zh-CN" sz="2000" dirty="0">
+                <a:sym typeface="+mn-ea"/>
+              </a:rPr>
+              <a:t>GPS</a:t>
+            </a:r>
+            <a:r>
+              <a:rPr lang="zh-CN" altLang="en-US" sz="2000" dirty="0">
+                <a:sym typeface="+mn-ea"/>
+              </a:rPr>
+              <a:t>定位，并能够手动切换地点；</a:t>
+            </a:r>
+            <a:endParaRPr lang="zh-CN" altLang="en-US" sz="2000" dirty="0">
+              <a:sym typeface="+mn-ea"/>
+            </a:endParaRPr>
+          </a:p>
+          <a:p>
+            <a:r>
+              <a:rPr lang="en-US" altLang="zh-CN" sz="2000" dirty="0">
+                <a:sym typeface="+mn-ea"/>
+              </a:rPr>
+              <a:t>3</a:t>
+            </a:r>
+            <a:r>
+              <a:rPr lang="zh-CN" altLang="en-US" sz="2000" dirty="0">
+                <a:sym typeface="+mn-ea"/>
+              </a:rPr>
+              <a:t>、游客首页根据地点推送开放的可供参观的文化组织目的地；</a:t>
+            </a:r>
+            <a:endParaRPr lang="zh-CN" altLang="en-US" sz="2000" dirty="0">
+              <a:sym typeface="+mn-ea"/>
+            </a:endParaRPr>
+          </a:p>
+          <a:p>
+            <a:r>
+              <a:rPr lang="en-US" altLang="zh-CN" sz="2000" dirty="0">
+                <a:sym typeface="+mn-ea"/>
+              </a:rPr>
+              <a:t>4</a:t>
+            </a:r>
+            <a:r>
+              <a:rPr lang="zh-CN" altLang="en-US" sz="2000" dirty="0">
+                <a:sym typeface="+mn-ea"/>
+              </a:rPr>
+              <a:t>、游客首页要有“搜索”和“扫描”</a:t>
+            </a:r>
+            <a:endParaRPr lang="en-US" altLang="zh-CN" sz="2000" dirty="0">
+              <a:sym typeface="+mn-ea"/>
+            </a:endParaRPr>
+          </a:p>
+        </p:txBody>
+      </p:sp>
+      <p:sp>
+        <p:nvSpPr>
+          <p:cNvPr id="17" name="文本框 16"/>
+          <p:cNvSpPr txBox="1"/>
+          <p:nvPr/>
+        </p:nvSpPr>
+        <p:spPr>
+          <a:xfrm>
+            <a:off x="2842894" y="4519519"/>
+            <a:ext cx="6861810" cy="707886"/>
+          </a:xfrm>
+          <a:prstGeom prst="rect">
+            <a:avLst/>
+          </a:prstGeom>
+          <a:noFill/>
+        </p:spPr>
+        <p:txBody>
+          <a:bodyPr wrap="square" rtlCol="0">
+            <a:spAutoFit/>
+          </a:bodyPr>
+          <a:lstStyle/>
+          <a:p>
+            <a:r>
+              <a:rPr lang="en-US" altLang="zh-CN" sz="2000" dirty="0">
+                <a:sym typeface="+mn-ea"/>
+              </a:rPr>
+              <a:t>1</a:t>
+            </a:r>
+            <a:r>
+              <a:rPr lang="zh-CN" altLang="en-US" sz="2000" dirty="0">
+                <a:sym typeface="+mn-ea"/>
+              </a:rPr>
+              <a:t>、</a:t>
+            </a:r>
+            <a:r>
+              <a:rPr lang="en-US" altLang="zh-CN" sz="2000" dirty="0">
+                <a:sym typeface="+mn-ea"/>
+              </a:rPr>
+              <a:t>TCP/IP</a:t>
+            </a:r>
+            <a:r>
+              <a:rPr lang="zh-CN" altLang="en-US" sz="2000" dirty="0">
+                <a:sym typeface="+mn-ea"/>
+              </a:rPr>
+              <a:t>协议</a:t>
+            </a:r>
+            <a:endParaRPr lang="zh-CN" altLang="en-US" sz="2000" dirty="0">
+              <a:sym typeface="+mn-ea"/>
+            </a:endParaRPr>
+          </a:p>
+          <a:p>
+            <a:r>
+              <a:rPr lang="en-US" altLang="zh-CN" sz="2000" dirty="0">
+                <a:sym typeface="+mn-ea"/>
+              </a:rPr>
+              <a:t>2</a:t>
+            </a:r>
+            <a:r>
+              <a:rPr lang="zh-CN" altLang="en-US" sz="2000" dirty="0">
+                <a:sym typeface="+mn-ea"/>
+              </a:rPr>
+              <a:t>、</a:t>
+            </a:r>
+            <a:r>
+              <a:rPr lang="en-US" altLang="zh-CN" sz="2000" dirty="0">
+                <a:sym typeface="+mn-ea"/>
+              </a:rPr>
+              <a:t>HTTP</a:t>
+            </a:r>
+            <a:r>
+              <a:rPr lang="zh-CN" altLang="en-US" sz="2000" dirty="0">
+                <a:sym typeface="+mn-ea"/>
+              </a:rPr>
+              <a:t>协议</a:t>
+            </a:r>
+            <a:endParaRPr lang="zh-CN" altLang="en-US" sz="2000" dirty="0">
+              <a:sym typeface="+mn-ea"/>
+            </a:endParaRPr>
+          </a:p>
+        </p:txBody>
+      </p:sp>
+      <p:sp>
+        <p:nvSpPr>
+          <p:cNvPr id="5" name="文本框 4"/>
+          <p:cNvSpPr txBox="1"/>
+          <p:nvPr/>
+        </p:nvSpPr>
+        <p:spPr>
+          <a:xfrm>
+            <a:off x="2842895" y="3652275"/>
+            <a:ext cx="7247036" cy="400110"/>
+          </a:xfrm>
+          <a:prstGeom prst="rect">
+            <a:avLst/>
+          </a:prstGeom>
+          <a:noFill/>
+        </p:spPr>
+        <p:txBody>
+          <a:bodyPr wrap="square" rtlCol="0">
+            <a:spAutoFit/>
+          </a:bodyPr>
+          <a:lstStyle/>
+          <a:p>
+            <a:r>
+              <a:rPr lang="zh-CN" altLang="en-US" sz="2000" dirty="0">
+                <a:sym typeface="+mn-ea"/>
+              </a:rPr>
+              <a:t>与</a:t>
+            </a:r>
+            <a:r>
+              <a:rPr lang="en-US" altLang="zh-CN" sz="2000" dirty="0" err="1">
+                <a:sym typeface="+mn-ea"/>
+              </a:rPr>
+              <a:t>mysql</a:t>
+            </a:r>
+            <a:r>
+              <a:rPr lang="zh-CN" altLang="en-US" sz="2000" dirty="0">
+                <a:sym typeface="+mn-ea"/>
+              </a:rPr>
+              <a:t>数据库的接口，通过</a:t>
+            </a:r>
+            <a:r>
+              <a:rPr lang="en-US" altLang="zh-CN" sz="2000" dirty="0">
+                <a:sym typeface="+mn-ea"/>
+              </a:rPr>
+              <a:t>JDBC</a:t>
+            </a:r>
+            <a:r>
+              <a:rPr lang="zh-CN" altLang="en-US" sz="2000" dirty="0">
+                <a:sym typeface="+mn-ea"/>
+              </a:rPr>
+              <a:t>进行连接</a:t>
+            </a:r>
+            <a:endParaRPr lang="zh-CN" sz="2000" dirty="0">
+              <a:sym typeface="+mn-ea"/>
+            </a:endParaRPr>
+          </a:p>
+        </p:txBody>
+      </p:sp>
+    </p:spTree>
+    <p:custDataLst>
+      <p:tags r:id="rId1"/>
+    </p:custDataLst>
+  </p:cSld>
+  <p:clrMapOvr>
+    <a:masterClrMapping/>
+  </p:clrMapOvr>
+  <p:transition>
+    <p:split orient="vert" dir="in"/>
+  </p:transition>
+</p:sld>
+</file>
+
+<file path=ppt/slides/slide11.xml><?xml version="1.0" encoding="utf-8"?>
+<p:sld xmlns:a="http://schemas.openxmlformats.org/drawingml/2006/main" xmlns:r="http://schemas.openxmlformats.org/officeDocument/2006/relationships" xmlns:p="http://schemas.openxmlformats.org/presentationml/2006/main">
+  <p:cSld>
+    <p:spTree>
+      <p:nvGrpSpPr>
+        <p:cNvPr id="1" name=""/>
+        <p:cNvGrpSpPr/>
+        <p:nvPr/>
+      </p:nvGrpSpPr>
+      <p:grpSpPr>
+        <a:xfrm>
+          <a:off x="0" y="0"/>
+          <a:ext cx="0" cy="0"/>
+          <a:chOff x="0" y="0"/>
+          <a:chExt cx="0" cy="0"/>
+        </a:xfrm>
+      </p:grpSpPr>
       <p:pic>
         <p:nvPicPr>
           <p:cNvPr id="3" name="图形"/>
@@ -5266,140 +5830,6 @@
 </p:sld>
 </file>
 
-<file path=ppt/slides/slide11.xml><?xml version="1.0" encoding="utf-8"?>
-<p:sld xmlns:a="http://schemas.openxmlformats.org/drawingml/2006/main" xmlns:r="http://schemas.openxmlformats.org/officeDocument/2006/relationships" xmlns:p="http://schemas.openxmlformats.org/presentationml/2006/main">
-  <p:cSld>
-    <p:spTree>
-      <p:nvGrpSpPr>
-        <p:cNvPr id="1" name=""/>
-        <p:cNvGrpSpPr/>
-        <p:nvPr/>
-      </p:nvGrpSpPr>
-      <p:grpSpPr>
-        <a:xfrm>
-          <a:off x="0" y="0"/>
-          <a:ext cx="0" cy="0"/>
-          <a:chOff x="0" y="0"/>
-          <a:chExt cx="0" cy="0"/>
-        </a:xfrm>
-      </p:grpSpPr>
-      <p:sp>
-        <p:nvSpPr>
-          <p:cNvPr id="2" name="矩形 1"/>
-          <p:cNvSpPr/>
-          <p:nvPr/>
-        </p:nvSpPr>
-        <p:spPr>
-          <a:xfrm>
-            <a:off x="394970" y="343535"/>
-            <a:ext cx="3592830" cy="949325"/>
-          </a:xfrm>
-          <a:prstGeom prst="rect">
-            <a:avLst/>
-          </a:prstGeom>
-          <a:solidFill>
-            <a:schemeClr val="bg1"/>
-          </a:solidFill>
-          <a:ln>
-            <a:noFill/>
-          </a:ln>
-        </p:spPr>
-        <p:style>
-          <a:lnRef idx="2">
-            <a:schemeClr val="accent1">
-              <a:shade val="50000"/>
-            </a:schemeClr>
-          </a:lnRef>
-          <a:fillRef idx="1">
-            <a:schemeClr val="accent1"/>
-          </a:fillRef>
-          <a:effectRef idx="0">
-            <a:schemeClr val="accent1"/>
-          </a:effectRef>
-          <a:fontRef idx="minor">
-            <a:schemeClr val="lt1"/>
-          </a:fontRef>
-        </p:style>
-        <p:txBody>
-          <a:bodyPr rtlCol="0" anchor="ctr"/>
-          <a:lstStyle/>
-          <a:p>
-            <a:pPr algn="l"/>
-            <a:r>
-              <a:rPr lang="en-US" altLang="zh-CN" sz="3200" b="1">
-                <a:solidFill>
-                  <a:schemeClr val="tx1"/>
-                </a:solidFill>
-                <a:latin typeface="华文细黑" panose="02010600040101010101" charset="-122"/>
-                <a:ea typeface="华文细黑" panose="02010600040101010101" charset="-122"/>
-                <a:cs typeface="华文细黑" panose="02010600040101010101" charset="-122"/>
-              </a:rPr>
-              <a:t> </a:t>
-            </a:r>
-            <a:r>
-              <a:rPr lang="zh-CN" altLang="en-US" sz="3200" b="1">
-                <a:solidFill>
-                  <a:schemeClr val="tx1"/>
-                </a:solidFill>
-                <a:latin typeface="华文细黑" panose="02010600040101010101" charset="-122"/>
-                <a:ea typeface="华文细黑" panose="02010600040101010101" charset="-122"/>
-                <a:cs typeface="华文细黑" panose="02010600040101010101" charset="-122"/>
-              </a:rPr>
-              <a:t>系统流程图</a:t>
-            </a:r>
-            <a:endParaRPr lang="zh-CN" altLang="en-US" sz="3200" b="1">
-              <a:solidFill>
-                <a:schemeClr val="tx1"/>
-              </a:solidFill>
-              <a:latin typeface="华文细黑" panose="02010600040101010101" charset="-122"/>
-              <a:ea typeface="华文细黑" panose="02010600040101010101" charset="-122"/>
-              <a:cs typeface="华文细黑" panose="02010600040101010101" charset="-122"/>
-            </a:endParaRPr>
-          </a:p>
-        </p:txBody>
-      </p:sp>
-      <p:pic>
-        <p:nvPicPr>
-          <p:cNvPr id="3" name="图片 2" descr="sysG09"/>
-          <p:cNvPicPr>
-            <a:picLocks noChangeAspect="1"/>
-          </p:cNvPicPr>
-          <p:nvPr>
-            <p:custDataLst>
-              <p:tags r:id="rId1"/>
-            </p:custDataLst>
-          </p:nvPr>
-        </p:nvPicPr>
-        <p:blipFill>
-          <a:blip r:embed="rId2"/>
-          <a:stretch>
-            <a:fillRect/>
-          </a:stretch>
-        </p:blipFill>
-        <p:spPr>
-          <a:xfrm>
-            <a:off x="2719070" y="462915"/>
-            <a:ext cx="7366224" cy="5956171"/>
-          </a:xfrm>
-          <a:prstGeom prst="rect">
-            <a:avLst/>
-          </a:prstGeom>
-        </p:spPr>
-      </p:pic>
-    </p:spTree>
-    <p:custDataLst>
-      <p:tags r:id="rId3"/>
-    </p:custDataLst>
-  </p:cSld>
-  <p:clrMapOvr>
-    <a:masterClrMapping/>
-  </p:clrMapOvr>
-  <p:transition>
-    <p:plus/>
-  </p:transition>
-</p:sld>
-</file>
-
 <file path=ppt/slides/slide12.xml><?xml version="1.0" encoding="utf-8"?>
 <p:sld xmlns:a="http://schemas.openxmlformats.org/drawingml/2006/main" xmlns:r="http://schemas.openxmlformats.org/officeDocument/2006/relationships" xmlns:p="http://schemas.openxmlformats.org/presentationml/2006/main">
   <p:cSld>
@@ -5479,7 +5909,7 @@
                 <a:ea typeface="华文细黑" panose="02010600040101010101" charset="-122"/>
                 <a:cs typeface="华文细黑" panose="02010600040101010101" charset="-122"/>
               </a:rPr>
-              <a:t>数据流程图</a:t>
+              <a:t>系统流程图</a:t>
             </a:r>
             <a:endParaRPr lang="zh-CN" altLang="en-US" sz="3200" b="1">
               <a:solidFill>
@@ -5494,7 +5924,7 @@
       </p:sp>
       <p:pic>
         <p:nvPicPr>
-          <p:cNvPr id="-2147482608" name="图片 -2147482609" descr="5a8d4c2308b7020e7c653226ab6f9c8"/>
+          <p:cNvPr id="3" name="图片 2" descr="sysG09"/>
           <p:cNvPicPr>
             <a:picLocks noChangeAspect="1"/>
           </p:cNvPicPr>
@@ -5512,16 +5942,12 @@
         </p:blipFill>
         <p:spPr>
           <a:xfrm>
-            <a:off x="2919730" y="440055"/>
-            <a:ext cx="7515225" cy="5978525"/>
+            <a:off x="2719070" y="462915"/>
+            <a:ext cx="7366224" cy="5956171"/>
           </a:xfrm>
           <a:prstGeom prst="rect">
             <a:avLst/>
           </a:prstGeom>
-          <a:noFill/>
-          <a:ln w="9525">
-            <a:noFill/>
-          </a:ln>
         </p:spPr>
       </p:pic>
     </p:spTree>
@@ -5598,6 +6024,144 @@
           <a:p>
             <a:pPr algn="l"/>
             <a:r>
+              <a:rPr lang="en-US" altLang="zh-CN" sz="3200" b="1">
+                <a:solidFill>
+                  <a:schemeClr val="tx1"/>
+                </a:solidFill>
+                <a:latin typeface="华文细黑" panose="02010600040101010101" charset="-122"/>
+                <a:ea typeface="华文细黑" panose="02010600040101010101" charset="-122"/>
+                <a:cs typeface="华文细黑" panose="02010600040101010101" charset="-122"/>
+              </a:rPr>
+              <a:t> </a:t>
+            </a:r>
+            <a:r>
+              <a:rPr lang="zh-CN" altLang="en-US" sz="3200" b="1">
+                <a:solidFill>
+                  <a:schemeClr val="tx1"/>
+                </a:solidFill>
+                <a:latin typeface="华文细黑" panose="02010600040101010101" charset="-122"/>
+                <a:ea typeface="华文细黑" panose="02010600040101010101" charset="-122"/>
+                <a:cs typeface="华文细黑" panose="02010600040101010101" charset="-122"/>
+              </a:rPr>
+              <a:t>数据流程图</a:t>
+            </a:r>
+            <a:endParaRPr lang="zh-CN" altLang="en-US" sz="3200" b="1">
+              <a:solidFill>
+                <a:schemeClr val="tx1"/>
+              </a:solidFill>
+              <a:latin typeface="华文细黑" panose="02010600040101010101" charset="-122"/>
+              <a:ea typeface="华文细黑" panose="02010600040101010101" charset="-122"/>
+              <a:cs typeface="华文细黑" panose="02010600040101010101" charset="-122"/>
+            </a:endParaRPr>
+          </a:p>
+        </p:txBody>
+      </p:sp>
+      <p:pic>
+        <p:nvPicPr>
+          <p:cNvPr id="3" name="图片 -2147482609" descr="5a8d4c2308b7020e7c653226ab6f9c8"/>
+          <p:cNvPicPr>
+            <a:picLocks noChangeAspect="1"/>
+          </p:cNvPicPr>
+          <p:nvPr>
+            <p:custDataLst>
+              <p:tags r:id="rId1"/>
+            </p:custDataLst>
+          </p:nvPr>
+        </p:nvPicPr>
+        <p:blipFill>
+          <a:blip r:embed="rId2"/>
+          <a:stretch>
+            <a:fillRect/>
+          </a:stretch>
+        </p:blipFill>
+        <p:spPr>
+          <a:xfrm>
+            <a:off x="2919730" y="440055"/>
+            <a:ext cx="7515225" cy="5978525"/>
+          </a:xfrm>
+          <a:prstGeom prst="rect">
+            <a:avLst/>
+          </a:prstGeom>
+          <a:noFill/>
+          <a:ln w="9525">
+            <a:noFill/>
+          </a:ln>
+        </p:spPr>
+      </p:pic>
+    </p:spTree>
+    <p:custDataLst>
+      <p:tags r:id="rId3"/>
+    </p:custDataLst>
+  </p:cSld>
+  <p:clrMapOvr>
+    <a:masterClrMapping/>
+  </p:clrMapOvr>
+  <p:transition>
+    <p:plus/>
+  </p:transition>
+</p:sld>
+</file>
+
+<file path=ppt/slides/slide14.xml><?xml version="1.0" encoding="utf-8"?>
+<p:sld xmlns:a="http://schemas.openxmlformats.org/drawingml/2006/main" xmlns:r="http://schemas.openxmlformats.org/officeDocument/2006/relationships" xmlns:p="http://schemas.openxmlformats.org/presentationml/2006/main">
+  <p:cSld>
+    <p:spTree>
+      <p:nvGrpSpPr>
+        <p:cNvPr id="1" name=""/>
+        <p:cNvGrpSpPr/>
+        <p:nvPr/>
+      </p:nvGrpSpPr>
+      <p:grpSpPr>
+        <a:xfrm>
+          <a:off x="0" y="0"/>
+          <a:ext cx="0" cy="0"/>
+          <a:chOff x="0" y="0"/>
+          <a:chExt cx="0" cy="0"/>
+        </a:xfrm>
+      </p:grpSpPr>
+      <p:sp>
+        <p:nvSpPr>
+          <p:cNvPr id="2" name="矩形 1"/>
+          <p:cNvSpPr/>
+          <p:nvPr/>
+        </p:nvSpPr>
+        <p:spPr>
+          <a:xfrm>
+            <a:off x="394970" y="343535"/>
+            <a:ext cx="3592830" cy="949325"/>
+          </a:xfrm>
+          <a:prstGeom prst="rect">
+            <a:avLst/>
+          </a:prstGeom>
+          <a:solidFill>
+            <a:schemeClr val="bg1"/>
+          </a:solidFill>
+          <a:ln>
+            <a:noFill/>
+          </a:ln>
+        </p:spPr>
+        <p:style>
+          <a:lnRef idx="2">
+            <a:schemeClr val="accent1">
+              <a:shade val="50000"/>
+            </a:schemeClr>
+          </a:lnRef>
+          <a:fillRef idx="1">
+            <a:schemeClr val="accent1"/>
+          </a:fillRef>
+          <a:effectRef idx="0">
+            <a:schemeClr val="accent1"/>
+          </a:effectRef>
+          <a:fontRef idx="minor">
+            <a:schemeClr val="lt1"/>
+          </a:fontRef>
+        </p:style>
+        <p:txBody>
+          <a:bodyPr rtlCol="0" anchor="ctr"/>
+          <a:lstStyle/>
+          <a:p>
+            <a:pPr algn="l"/>
+            <a:r>
               <a:rPr lang="zh-CN" altLang="en-US" sz="3200" b="1" dirty="0">
                 <a:solidFill>
                   <a:schemeClr val="tx1"/>
@@ -5808,7 +6372,7 @@
 </p:sld>
 </file>
 
-<file path=ppt/slides/slide14.xml><?xml version="1.0" encoding="utf-8"?>
+<file path=ppt/slides/slide15.xml><?xml version="1.0" encoding="utf-8"?>
 <p:sld xmlns:a="http://schemas.openxmlformats.org/drawingml/2006/main" xmlns:r="http://schemas.openxmlformats.org/officeDocument/2006/relationships" xmlns:p="http://schemas.openxmlformats.org/presentationml/2006/main">
   <p:cSld>
     <p:spTree>
@@ -9213,14 +9777,35 @@
         <p:cNvGrpSpPr/>
         <p:nvPr/>
       </p:nvGrpSpPr>
-      <p:grpSpPr>
-        <a:xfrm>
-          <a:off x="0" y="0"/>
-          <a:ext cx="0" cy="0"/>
-          <a:chOff x="0" y="0"/>
-          <a:chExt cx="0" cy="0"/>
-        </a:xfrm>
-      </p:grpSpPr>
+      <p:grpSpPr/>
+      <p:pic>
+        <p:nvPicPr>
+          <p:cNvPr id="-2147482615" name="E657119C-6982-421D-8BA7-E74DEB70A7D9-2"/>
+          <p:cNvPicPr>
+            <a:picLocks noChangeAspect="1"/>
+          </p:cNvPicPr>
+          <p:nvPr/>
+        </p:nvPicPr>
+        <p:blipFill>
+          <a:blip r:embed="rId1"/>
+          <a:stretch>
+            <a:fillRect/>
+          </a:stretch>
+        </p:blipFill>
+        <p:spPr>
+          <a:xfrm>
+            <a:off x="3398520" y="306070"/>
+            <a:ext cx="5394325" cy="6245860"/>
+          </a:xfrm>
+          <a:prstGeom prst="rect">
+            <a:avLst/>
+          </a:prstGeom>
+          <a:noFill/>
+          <a:ln w="9525">
+            <a:noFill/>
+          </a:ln>
+        </p:spPr>
+      </p:pic>
       <p:sp>
         <p:nvSpPr>
           <p:cNvPr id="2" name="矩形 1"/>
@@ -9260,7 +9845,6 @@
         </p:style>
         <p:txBody>
           <a:bodyPr rtlCol="0" anchor="ctr"/>
-          <a:lstStyle/>
           <a:p>
             <a:pPr algn="l"/>
             <a:r>
@@ -9272,7 +9856,7 @@
                 <a:ea typeface="华文细黑" panose="02010600040101010101" charset="-122"/>
                 <a:cs typeface="华文细黑" panose="02010600040101010101" charset="-122"/>
               </a:rPr>
-              <a:t>子系统功能</a:t>
+              <a:t>系统功能</a:t>
             </a:r>
             <a:endParaRPr lang="zh-CN" altLang="en-US" sz="3200" b="1" dirty="0">
               <a:solidFill>
@@ -9282,60 +9866,6 @@
               <a:ea typeface="华文细黑" panose="02010600040101010101" charset="-122"/>
               <a:cs typeface="华文细黑" panose="02010600040101010101" charset="-122"/>
             </a:endParaRPr>
-          </a:p>
-        </p:txBody>
-      </p:sp>
-      <p:pic>
-        <p:nvPicPr>
-          <p:cNvPr id="3" name="图片 2"/>
-          <p:cNvPicPr>
-            <a:picLocks noChangeAspect="1"/>
-          </p:cNvPicPr>
-          <p:nvPr/>
-        </p:nvPicPr>
-        <p:blipFill>
-          <a:blip r:embed="rId1"/>
-          <a:stretch>
-            <a:fillRect/>
-          </a:stretch>
-        </p:blipFill>
-        <p:spPr>
-          <a:xfrm>
-            <a:off x="1877082" y="1134636"/>
-            <a:ext cx="8102491" cy="5379829"/>
-          </a:xfrm>
-          <a:prstGeom prst="rect">
-            <a:avLst/>
-          </a:prstGeom>
-        </p:spPr>
-      </p:pic>
-      <p:sp>
-        <p:nvSpPr>
-          <p:cNvPr id="5" name="文本框 4"/>
-          <p:cNvSpPr txBox="1"/>
-          <p:nvPr/>
-        </p:nvSpPr>
-        <p:spPr>
-          <a:xfrm>
-            <a:off x="9979573" y="5538698"/>
-            <a:ext cx="877163" cy="369332"/>
-          </a:xfrm>
-          <a:prstGeom prst="rect">
-            <a:avLst/>
-          </a:prstGeom>
-          <a:noFill/>
-        </p:spPr>
-        <p:txBody>
-          <a:bodyPr wrap="none" rtlCol="0">
-            <a:spAutoFit/>
-          </a:bodyPr>
-          <a:lstStyle/>
-          <a:p>
-            <a:r>
-              <a:rPr lang="zh-CN" altLang="en-US" dirty="0"/>
-              <a:t>志愿者</a:t>
-            </a:r>
-            <a:endParaRPr lang="zh-CN" altLang="en-US" dirty="0"/>
           </a:p>
         </p:txBody>
       </p:sp>
@@ -9347,8 +9877,8 @@
   <p:clrMapOvr>
     <a:masterClrMapping/>
   </p:clrMapOvr>
-  <p:transition>
-    <p:plus/>
+  <p:transition advTm="2000">
+    <p:wedge/>
   </p:transition>
 </p:sld>
 </file>
@@ -9434,39 +9964,9 @@
           </a:p>
         </p:txBody>
       </p:sp>
-      <p:sp>
-        <p:nvSpPr>
-          <p:cNvPr id="5" name="文本框 4"/>
-          <p:cNvSpPr txBox="1"/>
-          <p:nvPr/>
-        </p:nvSpPr>
-        <p:spPr>
-          <a:xfrm>
-            <a:off x="9979573" y="5538698"/>
-            <a:ext cx="1107996" cy="369332"/>
-          </a:xfrm>
-          <a:prstGeom prst="rect">
-            <a:avLst/>
-          </a:prstGeom>
-          <a:noFill/>
-        </p:spPr>
-        <p:txBody>
-          <a:bodyPr wrap="none" rtlCol="0">
-            <a:spAutoFit/>
-          </a:bodyPr>
-          <a:lstStyle/>
-          <a:p>
-            <a:r>
-              <a:rPr lang="zh-CN" altLang="en-US" dirty="0"/>
-              <a:t>文化组织</a:t>
-            </a:r>
-            <a:endParaRPr lang="zh-CN" altLang="en-US" dirty="0"/>
-          </a:p>
-        </p:txBody>
-      </p:sp>
       <p:pic>
         <p:nvPicPr>
-          <p:cNvPr id="4" name="图片 3"/>
+          <p:cNvPr id="3" name="图片 2"/>
           <p:cNvPicPr>
             <a:picLocks noChangeAspect="1"/>
           </p:cNvPicPr>
@@ -9480,8 +9980,8 @@
         </p:blipFill>
         <p:spPr>
           <a:xfrm>
-            <a:off x="1485900" y="1928812"/>
-            <a:ext cx="9220200" cy="3000375"/>
+            <a:off x="1877082" y="1134636"/>
+            <a:ext cx="8102491" cy="5379829"/>
           </a:xfrm>
           <a:prstGeom prst="rect">
             <a:avLst/>
@@ -9490,36 +9990,31 @@
       </p:pic>
       <p:sp>
         <p:nvSpPr>
-          <p:cNvPr id="6" name="AutoShape 1"/>
-          <p:cNvSpPr>
-            <a:spLocks noChangeAspect="1" noChangeArrowheads="1"/>
-          </p:cNvSpPr>
+          <p:cNvPr id="5" name="文本框 4"/>
+          <p:cNvSpPr txBox="1"/>
           <p:nvPr/>
         </p:nvSpPr>
-        <p:spPr bwMode="auto">
+        <p:spPr>
           <a:xfrm>
-            <a:off x="0" y="0"/>
-            <a:ext cx="5267325" cy="1714500"/>
+            <a:off x="9979573" y="5538698"/>
+            <a:ext cx="877163" cy="369332"/>
           </a:xfrm>
           <a:prstGeom prst="rect">
             <a:avLst/>
           </a:prstGeom>
           <a:noFill/>
-          <a:extLst>
-            <a:ext uri="{909E8E84-426E-40DD-AFC4-6F175D3DCCD1}">
-              <a14:hiddenFill xmlns:a14="http://schemas.microsoft.com/office/drawing/2010/main">
-                <a:solidFill>
-                  <a:srgbClr val="FFFFFF"/>
-                </a:solidFill>
-              </a14:hiddenFill>
-            </a:ext>
-          </a:extLst>
         </p:spPr>
         <p:txBody>
-          <a:bodyPr vert="horz" wrap="square" lIns="91440" tIns="45720" rIns="91440" bIns="45720" numCol="1" anchor="t" anchorCtr="0" compatLnSpc="1"/>
+          <a:bodyPr wrap="none" rtlCol="0">
+            <a:spAutoFit/>
+          </a:bodyPr>
           <a:lstStyle/>
           <a:p>
-            <a:endParaRPr lang="zh-CN" altLang="en-US"/>
+            <a:r>
+              <a:rPr lang="zh-CN" altLang="en-US" dirty="0"/>
+              <a:t>志愿者</a:t>
+            </a:r>
+            <a:endParaRPr lang="zh-CN" altLang="en-US" dirty="0"/>
           </a:p>
         </p:txBody>
       </p:sp>
@@ -9626,8 +10121,8 @@
         </p:nvSpPr>
         <p:spPr>
           <a:xfrm>
-            <a:off x="10545939" y="5195808"/>
-            <a:ext cx="646331" cy="369332"/>
+            <a:off x="9979573" y="5538698"/>
+            <a:ext cx="1107996" cy="369332"/>
           </a:xfrm>
           <a:prstGeom prst="rect">
             <a:avLst/>
@@ -9642,7 +10137,7 @@
           <a:p>
             <a:r>
               <a:rPr lang="zh-CN" altLang="en-US" dirty="0"/>
-              <a:t>游客</a:t>
+              <a:t>文化组织</a:t>
             </a:r>
             <a:endParaRPr lang="zh-CN" altLang="en-US" dirty="0"/>
           </a:p>
@@ -9664,14 +10159,49 @@
         </p:blipFill>
         <p:spPr>
           <a:xfrm>
-            <a:off x="1335264" y="1292860"/>
-            <a:ext cx="9210675" cy="4467225"/>
+            <a:off x="1485900" y="1928812"/>
+            <a:ext cx="9220200" cy="3000375"/>
           </a:xfrm>
           <a:prstGeom prst="rect">
             <a:avLst/>
           </a:prstGeom>
         </p:spPr>
       </p:pic>
+      <p:sp>
+        <p:nvSpPr>
+          <p:cNvPr id="6" name="AutoShape 1"/>
+          <p:cNvSpPr>
+            <a:spLocks noChangeAspect="1" noChangeArrowheads="1"/>
+          </p:cNvSpPr>
+          <p:nvPr/>
+        </p:nvSpPr>
+        <p:spPr bwMode="auto">
+          <a:xfrm>
+            <a:off x="0" y="0"/>
+            <a:ext cx="5267325" cy="1714500"/>
+          </a:xfrm>
+          <a:prstGeom prst="rect">
+            <a:avLst/>
+          </a:prstGeom>
+          <a:noFill/>
+          <a:extLst>
+            <a:ext uri="{909E8E84-426E-40DD-AFC4-6F175D3DCCD1}">
+              <a14:hiddenFill xmlns:a14="http://schemas.microsoft.com/office/drawing/2010/main">
+                <a:solidFill>
+                  <a:srgbClr val="FFFFFF"/>
+                </a:solidFill>
+              </a14:hiddenFill>
+            </a:ext>
+          </a:extLst>
+        </p:spPr>
+        <p:txBody>
+          <a:bodyPr vert="horz" wrap="square" lIns="91440" tIns="45720" rIns="91440" bIns="45720" numCol="1" anchor="t" anchorCtr="0" compatLnSpc="1"/>
+          <a:lstStyle/>
+          <a:p>
+            <a:endParaRPr lang="zh-CN" altLang="en-US"/>
+          </a:p>
+        </p:txBody>
+      </p:sp>
     </p:spTree>
     <p:custDataLst>
       <p:tags r:id="rId2"/>
@@ -9705,7 +10235,7 @@
       </p:grpSpPr>
       <p:sp>
         <p:nvSpPr>
-          <p:cNvPr id="3" name="矩形 2"/>
+          <p:cNvPr id="2" name="矩形 1"/>
           <p:cNvSpPr/>
           <p:nvPr/>
         </p:nvSpPr>
@@ -9754,7 +10284,7 @@
                 <a:ea typeface="华文细黑" panose="02010600040101010101" charset="-122"/>
                 <a:cs typeface="华文细黑" panose="02010600040101010101" charset="-122"/>
               </a:rPr>
-              <a:t>接口需求</a:t>
+              <a:t>子系统功能</a:t>
             </a:r>
             <a:endParaRPr lang="zh-CN" altLang="en-US" sz="3200" b="1" dirty="0">
               <a:solidFill>
@@ -9763,416 +10293,6 @@
               <a:latin typeface="华文细黑" panose="02010600040101010101" charset="-122"/>
               <a:ea typeface="华文细黑" panose="02010600040101010101" charset="-122"/>
               <a:cs typeface="华文细黑" panose="02010600040101010101" charset="-122"/>
-            </a:endParaRPr>
-          </a:p>
-        </p:txBody>
-      </p:sp>
-      <p:sp>
-        <p:nvSpPr>
-          <p:cNvPr id="8" name="文本框 7"/>
-          <p:cNvSpPr txBox="1"/>
-          <p:nvPr/>
-        </p:nvSpPr>
-        <p:spPr>
-          <a:xfrm>
-            <a:off x="918210" y="1683648"/>
-            <a:ext cx="1924685" cy="460375"/>
-          </a:xfrm>
-          <a:prstGeom prst="rect">
-            <a:avLst/>
-          </a:prstGeom>
-          <a:solidFill>
-            <a:schemeClr val="bg1"/>
-          </a:solidFill>
-        </p:spPr>
-        <p:txBody>
-          <a:bodyPr wrap="square" rtlCol="0">
-            <a:spAutoFit/>
-          </a:bodyPr>
-          <a:lstStyle/>
-          <a:p>
-            <a:r>
-              <a:rPr lang="zh-CN" altLang="en-US" sz="2400" kern="0" noProof="0" dirty="0">
-                <a:ln>
-                  <a:noFill/>
-                </a:ln>
-                <a:solidFill>
-                  <a:srgbClr val="0070C0"/>
-                </a:solidFill>
-                <a:effectLst>
-                  <a:outerShdw blurRad="38100" dist="38100" dir="2700000" algn="tl">
-                    <a:srgbClr val="000000">
-                      <a:alpha val="43137"/>
-                    </a:srgbClr>
-                  </a:outerShdw>
-                </a:effectLst>
-                <a:uLnTx/>
-                <a:uFillTx/>
-                <a:cs typeface="+mn-ea"/>
-                <a:sym typeface="+mn-lt"/>
-              </a:rPr>
-              <a:t>用户接口</a:t>
-            </a:r>
-            <a:endParaRPr lang="zh-CN" altLang="en-US" sz="2400" kern="0" noProof="0" dirty="0">
-              <a:ln>
-                <a:noFill/>
-              </a:ln>
-              <a:solidFill>
-                <a:srgbClr val="0070C0"/>
-              </a:solidFill>
-              <a:effectLst>
-                <a:outerShdw blurRad="38100" dist="38100" dir="2700000" algn="tl">
-                  <a:srgbClr val="000000">
-                    <a:alpha val="43137"/>
-                  </a:srgbClr>
-                </a:outerShdw>
-              </a:effectLst>
-              <a:uLnTx/>
-              <a:uFillTx/>
-              <a:cs typeface="+mn-ea"/>
-              <a:sym typeface="+mn-lt"/>
-            </a:endParaRPr>
-          </a:p>
-        </p:txBody>
-      </p:sp>
-      <p:sp>
-        <p:nvSpPr>
-          <p:cNvPr id="4" name="文本框 3"/>
-          <p:cNvSpPr txBox="1"/>
-          <p:nvPr/>
-        </p:nvSpPr>
-        <p:spPr>
-          <a:xfrm>
-            <a:off x="928370" y="3622143"/>
-            <a:ext cx="1924685" cy="460375"/>
-          </a:xfrm>
-          <a:prstGeom prst="rect">
-            <a:avLst/>
-          </a:prstGeom>
-          <a:solidFill>
-            <a:schemeClr val="bg1"/>
-          </a:solidFill>
-        </p:spPr>
-        <p:txBody>
-          <a:bodyPr wrap="square" rtlCol="0">
-            <a:spAutoFit/>
-          </a:bodyPr>
-          <a:lstStyle/>
-          <a:p>
-            <a:r>
-              <a:rPr lang="zh-CN" altLang="en-US" sz="2400" kern="0" noProof="0" dirty="0">
-                <a:ln>
-                  <a:noFill/>
-                </a:ln>
-                <a:solidFill>
-                  <a:srgbClr val="0070C0"/>
-                </a:solidFill>
-                <a:effectLst>
-                  <a:outerShdw blurRad="38100" dist="38100" dir="2700000" algn="tl">
-                    <a:srgbClr val="000000">
-                      <a:alpha val="43137"/>
-                    </a:srgbClr>
-                  </a:outerShdw>
-                </a:effectLst>
-                <a:uLnTx/>
-                <a:uFillTx/>
-                <a:cs typeface="+mn-ea"/>
-                <a:sym typeface="+mn-lt"/>
-              </a:rPr>
-              <a:t>软件接口</a:t>
-            </a:r>
-            <a:endParaRPr lang="zh-CN" altLang="en-US" sz="2400" kern="0" noProof="0" dirty="0">
-              <a:ln>
-                <a:noFill/>
-              </a:ln>
-              <a:solidFill>
-                <a:srgbClr val="0070C0"/>
-              </a:solidFill>
-              <a:effectLst>
-                <a:outerShdw blurRad="38100" dist="38100" dir="2700000" algn="tl">
-                  <a:srgbClr val="000000">
-                    <a:alpha val="43137"/>
-                  </a:srgbClr>
-                </a:outerShdw>
-              </a:effectLst>
-              <a:uLnTx/>
-              <a:uFillTx/>
-              <a:cs typeface="+mn-ea"/>
-              <a:sym typeface="+mn-lt"/>
-            </a:endParaRPr>
-          </a:p>
-        </p:txBody>
-      </p:sp>
-      <p:sp>
-        <p:nvSpPr>
-          <p:cNvPr id="7" name="文本框 6"/>
-          <p:cNvSpPr txBox="1"/>
-          <p:nvPr/>
-        </p:nvSpPr>
-        <p:spPr>
-          <a:xfrm>
-            <a:off x="918209" y="4488722"/>
-            <a:ext cx="1924685" cy="460375"/>
-          </a:xfrm>
-          <a:prstGeom prst="rect">
-            <a:avLst/>
-          </a:prstGeom>
-          <a:solidFill>
-            <a:schemeClr val="bg1"/>
-          </a:solidFill>
-        </p:spPr>
-        <p:txBody>
-          <a:bodyPr wrap="square" rtlCol="0">
-            <a:spAutoFit/>
-          </a:bodyPr>
-          <a:lstStyle/>
-          <a:p>
-            <a:r>
-              <a:rPr lang="zh-CN" sz="2400" kern="0" noProof="0" dirty="0">
-                <a:ln>
-                  <a:noFill/>
-                </a:ln>
-                <a:solidFill>
-                  <a:srgbClr val="0070C0"/>
-                </a:solidFill>
-                <a:effectLst>
-                  <a:outerShdw blurRad="38100" dist="38100" dir="2700000" algn="tl">
-                    <a:srgbClr val="000000">
-                      <a:alpha val="43137"/>
-                    </a:srgbClr>
-                  </a:outerShdw>
-                </a:effectLst>
-                <a:uLnTx/>
-                <a:uFillTx/>
-                <a:cs typeface="+mn-ea"/>
-                <a:sym typeface="+mn-lt"/>
-              </a:rPr>
-              <a:t>通信</a:t>
-            </a:r>
-            <a:r>
-              <a:rPr lang="zh-CN" altLang="en-US" sz="2400" kern="0" noProof="0" dirty="0">
-                <a:ln>
-                  <a:noFill/>
-                </a:ln>
-                <a:solidFill>
-                  <a:srgbClr val="0070C0"/>
-                </a:solidFill>
-                <a:effectLst>
-                  <a:outerShdw blurRad="38100" dist="38100" dir="2700000" algn="tl">
-                    <a:srgbClr val="000000">
-                      <a:alpha val="43137"/>
-                    </a:srgbClr>
-                  </a:outerShdw>
-                </a:effectLst>
-                <a:uLnTx/>
-                <a:uFillTx/>
-                <a:cs typeface="+mn-ea"/>
-                <a:sym typeface="+mn-lt"/>
-              </a:rPr>
-              <a:t>接口</a:t>
-            </a:r>
-            <a:endParaRPr lang="zh-CN" sz="2400" kern="0" noProof="0" dirty="0">
-              <a:ln>
-                <a:noFill/>
-              </a:ln>
-              <a:solidFill>
-                <a:srgbClr val="0070C0"/>
-              </a:solidFill>
-              <a:effectLst>
-                <a:outerShdw blurRad="38100" dist="38100" dir="2700000" algn="tl">
-                  <a:srgbClr val="000000">
-                    <a:alpha val="43137"/>
-                  </a:srgbClr>
-                </a:outerShdw>
-              </a:effectLst>
-              <a:uLnTx/>
-              <a:uFillTx/>
-              <a:cs typeface="+mn-ea"/>
-              <a:sym typeface="+mn-lt"/>
-            </a:endParaRPr>
-          </a:p>
-        </p:txBody>
-      </p:sp>
-      <p:sp>
-        <p:nvSpPr>
-          <p:cNvPr id="9" name="文本框 8"/>
-          <p:cNvSpPr txBox="1"/>
-          <p:nvPr/>
-        </p:nvSpPr>
-        <p:spPr>
-          <a:xfrm>
-            <a:off x="2853055" y="1747432"/>
-            <a:ext cx="7363000" cy="1631216"/>
-          </a:xfrm>
-          <a:prstGeom prst="rect">
-            <a:avLst/>
-          </a:prstGeom>
-          <a:noFill/>
-        </p:spPr>
-        <p:txBody>
-          <a:bodyPr wrap="square" rtlCol="0">
-            <a:spAutoFit/>
-          </a:bodyPr>
-          <a:lstStyle/>
-          <a:p>
-            <a:r>
-              <a:rPr lang="en-US" altLang="zh-CN" sz="2000" dirty="0">
-                <a:sym typeface="+mn-ea"/>
-              </a:rPr>
-              <a:t>1</a:t>
-            </a:r>
-            <a:r>
-              <a:rPr lang="zh-CN" altLang="en-US" sz="2000" dirty="0">
-                <a:sym typeface="+mn-ea"/>
-              </a:rPr>
-              <a:t>、实现文化组织、志愿者、游客三方“注册”“登录”，登录界面要有“忘记密码”；</a:t>
-            </a:r>
-            <a:endParaRPr lang="zh-CN" altLang="en-US" sz="2000" dirty="0">
-              <a:sym typeface="+mn-ea"/>
-            </a:endParaRPr>
-          </a:p>
-          <a:p>
-            <a:r>
-              <a:rPr lang="en-US" altLang="zh-CN" sz="2000" dirty="0">
-                <a:sym typeface="+mn-ea"/>
-              </a:rPr>
-              <a:t>2</a:t>
-            </a:r>
-            <a:r>
-              <a:rPr lang="zh-CN" altLang="en-US" sz="2000" dirty="0">
-                <a:sym typeface="+mn-ea"/>
-              </a:rPr>
-              <a:t>、游客首页要有</a:t>
-            </a:r>
-            <a:r>
-              <a:rPr lang="en-US" altLang="zh-CN" sz="2000" dirty="0">
-                <a:sym typeface="+mn-ea"/>
-              </a:rPr>
-              <a:t>GPS</a:t>
-            </a:r>
-            <a:r>
-              <a:rPr lang="zh-CN" altLang="en-US" sz="2000" dirty="0">
-                <a:sym typeface="+mn-ea"/>
-              </a:rPr>
-              <a:t>定位，并能够手动切换地点；</a:t>
-            </a:r>
-            <a:endParaRPr lang="zh-CN" altLang="en-US" sz="2000" dirty="0">
-              <a:sym typeface="+mn-ea"/>
-            </a:endParaRPr>
-          </a:p>
-          <a:p>
-            <a:r>
-              <a:rPr lang="en-US" altLang="zh-CN" sz="2000" dirty="0">
-                <a:sym typeface="+mn-ea"/>
-              </a:rPr>
-              <a:t>3</a:t>
-            </a:r>
-            <a:r>
-              <a:rPr lang="zh-CN" altLang="en-US" sz="2000" dirty="0">
-                <a:sym typeface="+mn-ea"/>
-              </a:rPr>
-              <a:t>、游客首页根据地点推送开放的可供参观的文化组织目的地；</a:t>
-            </a:r>
-            <a:endParaRPr lang="zh-CN" altLang="en-US" sz="2000" dirty="0">
-              <a:sym typeface="+mn-ea"/>
-            </a:endParaRPr>
-          </a:p>
-          <a:p>
-            <a:r>
-              <a:rPr lang="en-US" altLang="zh-CN" sz="2000" dirty="0">
-                <a:sym typeface="+mn-ea"/>
-              </a:rPr>
-              <a:t>4</a:t>
-            </a:r>
-            <a:r>
-              <a:rPr lang="zh-CN" altLang="en-US" sz="2000" dirty="0">
-                <a:sym typeface="+mn-ea"/>
-              </a:rPr>
-              <a:t>、游客首页要有“搜索”和“扫描”</a:t>
-            </a:r>
-            <a:endParaRPr lang="en-US" altLang="zh-CN" sz="2000" dirty="0">
-              <a:sym typeface="+mn-ea"/>
-            </a:endParaRPr>
-          </a:p>
-        </p:txBody>
-      </p:sp>
-      <p:sp>
-        <p:nvSpPr>
-          <p:cNvPr id="17" name="文本框 16"/>
-          <p:cNvSpPr txBox="1"/>
-          <p:nvPr/>
-        </p:nvSpPr>
-        <p:spPr>
-          <a:xfrm>
-            <a:off x="2842894" y="4519519"/>
-            <a:ext cx="6861810" cy="707886"/>
-          </a:xfrm>
-          <a:prstGeom prst="rect">
-            <a:avLst/>
-          </a:prstGeom>
-          <a:noFill/>
-        </p:spPr>
-        <p:txBody>
-          <a:bodyPr wrap="square" rtlCol="0">
-            <a:spAutoFit/>
-          </a:bodyPr>
-          <a:lstStyle/>
-          <a:p>
-            <a:r>
-              <a:rPr lang="en-US" altLang="zh-CN" sz="2000" dirty="0">
-                <a:sym typeface="+mn-ea"/>
-              </a:rPr>
-              <a:t>1</a:t>
-            </a:r>
-            <a:r>
-              <a:rPr lang="zh-CN" altLang="en-US" sz="2000" dirty="0">
-                <a:sym typeface="+mn-ea"/>
-              </a:rPr>
-              <a:t>、</a:t>
-            </a:r>
-            <a:r>
-              <a:rPr lang="en-US" altLang="zh-CN" sz="2000" dirty="0">
-                <a:sym typeface="+mn-ea"/>
-              </a:rPr>
-              <a:t>TCP/IP</a:t>
-            </a:r>
-            <a:r>
-              <a:rPr lang="zh-CN" altLang="en-US" sz="2000" dirty="0">
-                <a:sym typeface="+mn-ea"/>
-              </a:rPr>
-              <a:t>协议</a:t>
-            </a:r>
-            <a:endParaRPr lang="zh-CN" altLang="en-US" sz="2000" dirty="0">
-              <a:sym typeface="+mn-ea"/>
-            </a:endParaRPr>
-          </a:p>
-          <a:p>
-            <a:r>
-              <a:rPr lang="en-US" altLang="zh-CN" sz="2000" dirty="0">
-                <a:sym typeface="+mn-ea"/>
-              </a:rPr>
-              <a:t>2</a:t>
-            </a:r>
-            <a:r>
-              <a:rPr lang="zh-CN" altLang="en-US" sz="2000" dirty="0">
-                <a:sym typeface="+mn-ea"/>
-              </a:rPr>
-              <a:t>、</a:t>
-            </a:r>
-            <a:r>
-              <a:rPr lang="en-US" altLang="zh-CN" sz="2000" dirty="0">
-                <a:sym typeface="+mn-ea"/>
-              </a:rPr>
-              <a:t>HTTP</a:t>
-            </a:r>
-            <a:r>
-              <a:rPr lang="zh-CN" altLang="en-US" sz="2000" dirty="0">
-                <a:sym typeface="+mn-ea"/>
-              </a:rPr>
-              <a:t>协议</a:t>
-            </a:r>
-            <a:endParaRPr lang="zh-CN" altLang="en-US" sz="2000" dirty="0">
-              <a:sym typeface="+mn-ea"/>
             </a:endParaRPr>
           </a:p>
         </p:txBody>
@@ -10185,8 +10305,8 @@
         </p:nvSpPr>
         <p:spPr>
           <a:xfrm>
-            <a:off x="2842895" y="3652275"/>
-            <a:ext cx="7247036" cy="400110"/>
+            <a:off x="10545939" y="5195808"/>
+            <a:ext cx="646331" cy="369332"/>
           </a:xfrm>
           <a:prstGeom prst="rect">
             <a:avLst/>
@@ -10194,57 +10314,57 @@
           <a:noFill/>
         </p:spPr>
         <p:txBody>
-          <a:bodyPr wrap="square" rtlCol="0">
+          <a:bodyPr wrap="none" rtlCol="0">
             <a:spAutoFit/>
           </a:bodyPr>
           <a:lstStyle/>
           <a:p>
             <a:r>
-              <a:rPr lang="zh-CN" altLang="en-US" sz="2000" dirty="0">
-                <a:sym typeface="+mn-ea"/>
-              </a:rPr>
-              <a:t>与</a:t>
-            </a:r>
-            <a:r>
-              <a:rPr lang="en-US" altLang="zh-CN" sz="2000" dirty="0" err="1">
-                <a:sym typeface="+mn-ea"/>
-              </a:rPr>
-              <a:t>mysql</a:t>
-            </a:r>
-            <a:r>
-              <a:rPr lang="zh-CN" altLang="en-US" sz="2000" dirty="0">
-                <a:sym typeface="+mn-ea"/>
-              </a:rPr>
-              <a:t>数据库的接口，通过</a:t>
-            </a:r>
-            <a:r>
-              <a:rPr lang="en-US" altLang="zh-CN" sz="2000" dirty="0">
-                <a:sym typeface="+mn-ea"/>
-              </a:rPr>
-              <a:t>JDBC</a:t>
-            </a:r>
-            <a:r>
-              <a:rPr lang="zh-CN" altLang="en-US" sz="2000" dirty="0">
-                <a:sym typeface="+mn-ea"/>
-              </a:rPr>
-              <a:t>进行连接</a:t>
-            </a:r>
-            <a:endParaRPr lang="zh-CN" sz="2000" dirty="0">
-              <a:sym typeface="+mn-ea"/>
-            </a:endParaRPr>
+              <a:rPr lang="zh-CN" altLang="en-US" dirty="0"/>
+              <a:t>游客</a:t>
+            </a:r>
+            <a:endParaRPr lang="zh-CN" altLang="en-US" dirty="0"/>
           </a:p>
         </p:txBody>
       </p:sp>
+      <p:pic>
+        <p:nvPicPr>
+          <p:cNvPr id="4" name="图片 3"/>
+          <p:cNvPicPr>
+            <a:picLocks noChangeAspect="1"/>
+          </p:cNvPicPr>
+          <p:nvPr>
+            <p:custDataLst>
+              <p:tags r:id="rId1"/>
+            </p:custDataLst>
+          </p:nvPr>
+        </p:nvPicPr>
+        <p:blipFill>
+          <a:blip r:embed="rId2"/>
+          <a:stretch>
+            <a:fillRect/>
+          </a:stretch>
+        </p:blipFill>
+        <p:spPr>
+          <a:xfrm>
+            <a:off x="1335264" y="1292860"/>
+            <a:ext cx="9210675" cy="4467225"/>
+          </a:xfrm>
+          <a:prstGeom prst="rect">
+            <a:avLst/>
+          </a:prstGeom>
+        </p:spPr>
+      </p:pic>
     </p:spTree>
     <p:custDataLst>
-      <p:tags r:id="rId1"/>
+      <p:tags r:id="rId3"/>
     </p:custDataLst>
   </p:cSld>
   <p:clrMapOvr>
     <a:masterClrMapping/>
   </p:clrMapOvr>
   <p:transition>
-    <p:split orient="vert" dir="in"/>
+    <p:plus/>
   </p:transition>
 </p:sld>
 </file>
@@ -10265,9 +10385,7 @@
 
 <file path=ppt/tags/tag10.xml><?xml version="1.0" encoding="utf-8"?>
 <p:tagLst xmlns:p="http://schemas.openxmlformats.org/presentationml/2006/main">
-  <p:tag name="KSO_WM_BEAUTIFY_FLAG" val="#wm#"/>
-  <p:tag name="KSO_WM_TEMPLATE_CATEGORY" val="custom"/>
-  <p:tag name="KSO_WM_TEMPLATE_INDEX" val="20205081"/>
+  <p:tag name="KSO_WM_UNIT_PLACING_PICTURE_USER_VIEWPORT" val="{&quot;height&quot;:7035,&quot;width&quot;:14505}"/>
 </p:tagLst>
 </file>
 
@@ -10281,7 +10399,9 @@
 
 <file path=ppt/tags/tag12.xml><?xml version="1.0" encoding="utf-8"?>
 <p:tagLst xmlns:p="http://schemas.openxmlformats.org/presentationml/2006/main">
-  <p:tag name="KSO_WM_UNIT_PLACING_PICTURE_USER_VIEWPORT" val="{&quot;height&quot;:10800,&quot;width&quot;:13358}"/>
+  <p:tag name="KSO_WM_BEAUTIFY_FLAG" val="#wm#"/>
+  <p:tag name="KSO_WM_TEMPLATE_CATEGORY" val="custom"/>
+  <p:tag name="KSO_WM_TEMPLATE_INDEX" val="20205081"/>
 </p:tagLst>
 </file>
 
@@ -10295,7 +10415,7 @@
 
 <file path=ppt/tags/tag14.xml><?xml version="1.0" encoding="utf-8"?>
 <p:tagLst xmlns:p="http://schemas.openxmlformats.org/presentationml/2006/main">
-  <p:tag name="KSO_WM_UNIT_PLACING_PICTURE_USER_VIEWPORT" val="{&quot;height&quot;:6570,&quot;width&quot;:8260}"/>
+  <p:tag name="KSO_WM_UNIT_PLACING_PICTURE_USER_VIEWPORT" val="{&quot;height&quot;:10800,&quot;width&quot;:13358}"/>
 </p:tagLst>
 </file>
 
@@ -10309,9 +10429,7 @@
 
 <file path=ppt/tags/tag16.xml><?xml version="1.0" encoding="utf-8"?>
 <p:tagLst xmlns:p="http://schemas.openxmlformats.org/presentationml/2006/main">
-  <p:tag name="KSO_WM_BEAUTIFY_FLAG" val="#wm#"/>
-  <p:tag name="KSO_WM_TEMPLATE_CATEGORY" val="custom"/>
-  <p:tag name="KSO_WM_TEMPLATE_INDEX" val="20205081"/>
+  <p:tag name="KSO_WM_UNIT_PLACING_PICTURE_USER_VIEWPORT" val="{&quot;height&quot;:6570,&quot;width&quot;:8260}"/>
 </p:tagLst>
 </file>
 
@@ -10325,8 +10443,17 @@
 
 <file path=ppt/tags/tag18.xml><?xml version="1.0" encoding="utf-8"?>
 <p:tagLst xmlns:p="http://schemas.openxmlformats.org/presentationml/2006/main">
-  <p:tag name="COMMONDATA" val="eyJoZGlkIjoiOTFhZTQ2MDE0Nzk2MDZmYTEwZjA5Y2Y5NjJlMDczNjEifQ=="/>
-  <p:tag name="KSO_WPP_MARK_KEY" val="133996ca-5edf-4d94-afd3-6eb9f32d4f58"/>
+  <p:tag name="KSO_WM_BEAUTIFY_FLAG" val="#wm#"/>
+  <p:tag name="KSO_WM_TEMPLATE_CATEGORY" val="custom"/>
+  <p:tag name="KSO_WM_TEMPLATE_INDEX" val="20205081"/>
+</p:tagLst>
+</file>
+
+<file path=ppt/tags/tag19.xml><?xml version="1.0" encoding="utf-8"?>
+<p:tagLst xmlns:p="http://schemas.openxmlformats.org/presentationml/2006/main">
+  <p:tag name="KSO_WM_BEAUTIFY_FLAG" val="#wm#"/>
+  <p:tag name="KSO_WM_TEMPLATE_CATEGORY" val="custom"/>
+  <p:tag name="KSO_WM_TEMPLATE_INDEX" val="20205081"/>
 </p:tagLst>
 </file>
 
@@ -10348,6 +10475,13 @@
   <p:tag name="KSO_WM_SLIDE_LAYOUT_CNT" val="1_1"/>
   <p:tag name="KSO_WM_UNIT_SHOW_EDIT_AREA_INDICATION" val="1"/>
   <p:tag name="KSO_WM_TEMPLATE_THUMBS_INDEX" val="1、4、7、12、13、14、15、16、17、18、20、24、25、28、33、36、40、43、44"/>
+</p:tagLst>
+</file>
+
+<file path=ppt/tags/tag20.xml><?xml version="1.0" encoding="utf-8"?>
+<p:tagLst xmlns:p="http://schemas.openxmlformats.org/presentationml/2006/main">
+  <p:tag name="COMMONDATA" val="eyJoZGlkIjoiYzQ0OTllZjEzNmE0ZDU0YzJmOGQ2NzlkMDJhNDQ5NmYifQ=="/>
+  <p:tag name="KSO_WPP_MARK_KEY" val="133996ca-5edf-4d94-afd3-6eb9f32d4f58"/>
 </p:tagLst>
 </file>
 
